--- a/doc/npcc.pptx
+++ b/doc/npcc.pptx
@@ -243,7 +243,7 @@
           <a:p>
             <a:fld id="{16B45583-DB50-4294-A2CB-54C372565D77}" type="datetimeFigureOut">
               <a:rPr lang="zh-CN" altLang="en-US" smtClean="0"/>
-              <a:t>2023/7/8</a:t>
+              <a:t>2023/8/6</a:t>
             </a:fld>
             <a:endParaRPr lang="zh-CN" altLang="en-US"/>
           </a:p>
@@ -411,7 +411,7 @@
           <a:p>
             <a:fld id="{16B45583-DB50-4294-A2CB-54C372565D77}" type="datetimeFigureOut">
               <a:rPr lang="zh-CN" altLang="en-US" smtClean="0"/>
-              <a:t>2023/7/8</a:t>
+              <a:t>2023/8/6</a:t>
             </a:fld>
             <a:endParaRPr lang="zh-CN" altLang="en-US"/>
           </a:p>
@@ -589,7 +589,7 @@
           <a:p>
             <a:fld id="{16B45583-DB50-4294-A2CB-54C372565D77}" type="datetimeFigureOut">
               <a:rPr lang="zh-CN" altLang="en-US" smtClean="0"/>
-              <a:t>2023/7/8</a:t>
+              <a:t>2023/8/6</a:t>
             </a:fld>
             <a:endParaRPr lang="zh-CN" altLang="en-US"/>
           </a:p>
@@ -757,7 +757,7 @@
           <a:p>
             <a:fld id="{16B45583-DB50-4294-A2CB-54C372565D77}" type="datetimeFigureOut">
               <a:rPr lang="zh-CN" altLang="en-US" smtClean="0"/>
-              <a:t>2023/7/8</a:t>
+              <a:t>2023/8/6</a:t>
             </a:fld>
             <a:endParaRPr lang="zh-CN" altLang="en-US"/>
           </a:p>
@@ -1002,7 +1002,7 @@
           <a:p>
             <a:fld id="{16B45583-DB50-4294-A2CB-54C372565D77}" type="datetimeFigureOut">
               <a:rPr lang="zh-CN" altLang="en-US" smtClean="0"/>
-              <a:t>2023/7/8</a:t>
+              <a:t>2023/8/6</a:t>
             </a:fld>
             <a:endParaRPr lang="zh-CN" altLang="en-US"/>
           </a:p>
@@ -1231,7 +1231,7 @@
           <a:p>
             <a:fld id="{16B45583-DB50-4294-A2CB-54C372565D77}" type="datetimeFigureOut">
               <a:rPr lang="zh-CN" altLang="en-US" smtClean="0"/>
-              <a:t>2023/7/8</a:t>
+              <a:t>2023/8/6</a:t>
             </a:fld>
             <a:endParaRPr lang="zh-CN" altLang="en-US"/>
           </a:p>
@@ -1595,7 +1595,7 @@
           <a:p>
             <a:fld id="{16B45583-DB50-4294-A2CB-54C372565D77}" type="datetimeFigureOut">
               <a:rPr lang="zh-CN" altLang="en-US" smtClean="0"/>
-              <a:t>2023/7/8</a:t>
+              <a:t>2023/8/6</a:t>
             </a:fld>
             <a:endParaRPr lang="zh-CN" altLang="en-US"/>
           </a:p>
@@ -1712,7 +1712,7 @@
           <a:p>
             <a:fld id="{16B45583-DB50-4294-A2CB-54C372565D77}" type="datetimeFigureOut">
               <a:rPr lang="zh-CN" altLang="en-US" smtClean="0"/>
-              <a:t>2023/7/8</a:t>
+              <a:t>2023/8/6</a:t>
             </a:fld>
             <a:endParaRPr lang="zh-CN" altLang="en-US"/>
           </a:p>
@@ -1807,7 +1807,7 @@
           <a:p>
             <a:fld id="{16B45583-DB50-4294-A2CB-54C372565D77}" type="datetimeFigureOut">
               <a:rPr lang="zh-CN" altLang="en-US" smtClean="0"/>
-              <a:t>2023/7/8</a:t>
+              <a:t>2023/8/6</a:t>
             </a:fld>
             <a:endParaRPr lang="zh-CN" altLang="en-US"/>
           </a:p>
@@ -2082,7 +2082,7 @@
           <a:p>
             <a:fld id="{16B45583-DB50-4294-A2CB-54C372565D77}" type="datetimeFigureOut">
               <a:rPr lang="zh-CN" altLang="en-US" smtClean="0"/>
-              <a:t>2023/7/8</a:t>
+              <a:t>2023/8/6</a:t>
             </a:fld>
             <a:endParaRPr lang="zh-CN" altLang="en-US"/>
           </a:p>
@@ -2334,7 +2334,7 @@
           <a:p>
             <a:fld id="{16B45583-DB50-4294-A2CB-54C372565D77}" type="datetimeFigureOut">
               <a:rPr lang="zh-CN" altLang="en-US" smtClean="0"/>
-              <a:t>2023/7/8</a:t>
+              <a:t>2023/8/6</a:t>
             </a:fld>
             <a:endParaRPr lang="zh-CN" altLang="en-US"/>
           </a:p>
@@ -2545,7 +2545,7 @@
           <a:p>
             <a:fld id="{16B45583-DB50-4294-A2CB-54C372565D77}" type="datetimeFigureOut">
               <a:rPr lang="zh-CN" altLang="en-US" smtClean="0"/>
-              <a:t>2023/7/8</a:t>
+              <a:t>2023/8/6</a:t>
             </a:fld>
             <a:endParaRPr lang="zh-CN" altLang="en-US"/>
           </a:p>
@@ -3293,6 +3293,381 @@
           <a:chExt cx="0" cy="0"/>
         </a:xfrm>
       </p:grpSpPr>
+      <p:sp>
+        <p:nvSpPr>
+          <p:cNvPr id="2" name="椭圆 1">
+            <a:extLst>
+              <a:ext uri="{FF2B5EF4-FFF2-40B4-BE49-F238E27FC236}">
+                <a16:creationId xmlns:a16="http://schemas.microsoft.com/office/drawing/2014/main" id="{7EFDC331-3B9E-493B-E789-02D72FCBFC3B}"/>
+              </a:ext>
+            </a:extLst>
+          </p:cNvPr>
+          <p:cNvSpPr/>
+          <p:nvPr/>
+        </p:nvSpPr>
+        <p:spPr>
+          <a:xfrm>
+            <a:off x="902523" y="1151906"/>
+            <a:ext cx="7243949" cy="4031673"/>
+          </a:xfrm>
+          <a:prstGeom prst="ellipse">
+            <a:avLst/>
+          </a:prstGeom>
+          <a:noFill/>
+          <a:ln w="9525" cap="flat" cmpd="sng" algn="ctr">
+            <a:solidFill>
+              <a:schemeClr val="dk1"/>
+            </a:solidFill>
+            <a:prstDash val="solid"/>
+            <a:round/>
+            <a:headEnd type="none" w="med" len="med"/>
+            <a:tailEnd type="none" w="med" len="med"/>
+          </a:ln>
+        </p:spPr>
+        <p:style>
+          <a:lnRef idx="0">
+            <a:scrgbClr r="0" g="0" b="0"/>
+          </a:lnRef>
+          <a:fillRef idx="0">
+            <a:scrgbClr r="0" g="0" b="0"/>
+          </a:fillRef>
+          <a:effectRef idx="0">
+            <a:scrgbClr r="0" g="0" b="0"/>
+          </a:effectRef>
+          <a:fontRef idx="minor">
+            <a:schemeClr val="dk1"/>
+          </a:fontRef>
+        </p:style>
+        <p:txBody>
+          <a:bodyPr rtlCol="0" anchor="ctr"/>
+          <a:lstStyle/>
+          <a:p>
+            <a:pPr algn="ctr"/>
+            <a:endParaRPr lang="zh-CN" altLang="en-US"/>
+          </a:p>
+        </p:txBody>
+      </p:sp>
+      <p:sp>
+        <p:nvSpPr>
+          <p:cNvPr id="3" name="椭圆 2">
+            <a:extLst>
+              <a:ext uri="{FF2B5EF4-FFF2-40B4-BE49-F238E27FC236}">
+                <a16:creationId xmlns:a16="http://schemas.microsoft.com/office/drawing/2014/main" id="{0B5DAABD-049B-DA05-6C4F-61B20F447D54}"/>
+              </a:ext>
+            </a:extLst>
+          </p:cNvPr>
+          <p:cNvSpPr/>
+          <p:nvPr/>
+        </p:nvSpPr>
+        <p:spPr>
+          <a:xfrm>
+            <a:off x="3251858" y="1925781"/>
+            <a:ext cx="4223659" cy="2483923"/>
+          </a:xfrm>
+          <a:prstGeom prst="ellipse">
+            <a:avLst/>
+          </a:prstGeom>
+          <a:noFill/>
+          <a:ln w="9525" cap="flat" cmpd="sng" algn="ctr">
+            <a:solidFill>
+              <a:schemeClr val="dk1"/>
+            </a:solidFill>
+            <a:prstDash val="solid"/>
+            <a:round/>
+            <a:headEnd type="none" w="med" len="med"/>
+            <a:tailEnd type="none" w="med" len="med"/>
+          </a:ln>
+        </p:spPr>
+        <p:style>
+          <a:lnRef idx="0">
+            <a:scrgbClr r="0" g="0" b="0"/>
+          </a:lnRef>
+          <a:fillRef idx="0">
+            <a:scrgbClr r="0" g="0" b="0"/>
+          </a:fillRef>
+          <a:effectRef idx="0">
+            <a:scrgbClr r="0" g="0" b="0"/>
+          </a:effectRef>
+          <a:fontRef idx="minor">
+            <a:schemeClr val="dk1"/>
+          </a:fontRef>
+        </p:style>
+        <p:txBody>
+          <a:bodyPr rtlCol="0" anchor="ctr"/>
+          <a:lstStyle/>
+          <a:p>
+            <a:pPr algn="ctr"/>
+            <a:endParaRPr lang="zh-CN" altLang="en-US"/>
+          </a:p>
+        </p:txBody>
+      </p:sp>
+      <p:sp>
+        <p:nvSpPr>
+          <p:cNvPr id="4" name="椭圆 3">
+            <a:extLst>
+              <a:ext uri="{FF2B5EF4-FFF2-40B4-BE49-F238E27FC236}">
+                <a16:creationId xmlns:a16="http://schemas.microsoft.com/office/drawing/2014/main" id="{3896534A-23A6-CFAD-36A6-D4BAAE45B3AE}"/>
+              </a:ext>
+            </a:extLst>
+          </p:cNvPr>
+          <p:cNvSpPr/>
+          <p:nvPr/>
+        </p:nvSpPr>
+        <p:spPr>
+          <a:xfrm>
+            <a:off x="4619501" y="2390898"/>
+            <a:ext cx="2236520" cy="1553688"/>
+          </a:xfrm>
+          <a:prstGeom prst="ellipse">
+            <a:avLst/>
+          </a:prstGeom>
+          <a:noFill/>
+          <a:ln w="9525" cap="flat" cmpd="sng" algn="ctr">
+            <a:solidFill>
+              <a:schemeClr val="dk1"/>
+            </a:solidFill>
+            <a:prstDash val="solid"/>
+            <a:round/>
+            <a:headEnd type="none" w="med" len="med"/>
+            <a:tailEnd type="none" w="med" len="med"/>
+          </a:ln>
+        </p:spPr>
+        <p:style>
+          <a:lnRef idx="0">
+            <a:scrgbClr r="0" g="0" b="0"/>
+          </a:lnRef>
+          <a:fillRef idx="0">
+            <a:scrgbClr r="0" g="0" b="0"/>
+          </a:fillRef>
+          <a:effectRef idx="0">
+            <a:scrgbClr r="0" g="0" b="0"/>
+          </a:effectRef>
+          <a:fontRef idx="minor">
+            <a:schemeClr val="dk1"/>
+          </a:fontRef>
+        </p:style>
+        <p:txBody>
+          <a:bodyPr rtlCol="0" anchor="ctr"/>
+          <a:lstStyle/>
+          <a:p>
+            <a:pPr algn="ctr"/>
+            <a:endParaRPr lang="zh-CN" altLang="en-US"/>
+          </a:p>
+        </p:txBody>
+      </p:sp>
+      <p:sp>
+        <p:nvSpPr>
+          <p:cNvPr id="5" name="文本框 4">
+            <a:extLst>
+              <a:ext uri="{FF2B5EF4-FFF2-40B4-BE49-F238E27FC236}">
+                <a16:creationId xmlns:a16="http://schemas.microsoft.com/office/drawing/2014/main" id="{8259064C-1C0C-4723-EE27-F460D688E509}"/>
+              </a:ext>
+            </a:extLst>
+          </p:cNvPr>
+          <p:cNvSpPr txBox="1"/>
+          <p:nvPr/>
+        </p:nvSpPr>
+        <p:spPr>
+          <a:xfrm>
+            <a:off x="1514104" y="2983076"/>
+            <a:ext cx="742511" cy="369332"/>
+          </a:xfrm>
+          <a:prstGeom prst="rect">
+            <a:avLst/>
+          </a:prstGeom>
+          <a:noFill/>
+        </p:spPr>
+        <p:txBody>
+          <a:bodyPr wrap="none" rtlCol="0">
+            <a:spAutoFit/>
+          </a:bodyPr>
+          <a:lstStyle/>
+          <a:p>
+            <a:r>
+              <a:rPr lang="en-US" altLang="zh-CN" dirty="0"/>
+              <a:t>GRPC</a:t>
+            </a:r>
+            <a:endParaRPr lang="zh-CN" altLang="en-US" dirty="0"/>
+          </a:p>
+        </p:txBody>
+      </p:sp>
+      <p:sp>
+        <p:nvSpPr>
+          <p:cNvPr id="7" name="文本框 6">
+            <a:extLst>
+              <a:ext uri="{FF2B5EF4-FFF2-40B4-BE49-F238E27FC236}">
+                <a16:creationId xmlns:a16="http://schemas.microsoft.com/office/drawing/2014/main" id="{37D62E35-C9F7-3168-0190-1FC669950BB9}"/>
+              </a:ext>
+            </a:extLst>
+          </p:cNvPr>
+          <p:cNvSpPr txBox="1"/>
+          <p:nvPr/>
+        </p:nvSpPr>
+        <p:spPr>
+          <a:xfrm>
+            <a:off x="3604161" y="2983076"/>
+            <a:ext cx="659081" cy="369332"/>
+          </a:xfrm>
+          <a:prstGeom prst="rect">
+            <a:avLst/>
+          </a:prstGeom>
+          <a:noFill/>
+        </p:spPr>
+        <p:txBody>
+          <a:bodyPr wrap="square" rtlCol="0">
+            <a:spAutoFit/>
+          </a:bodyPr>
+          <a:lstStyle/>
+          <a:p>
+            <a:r>
+              <a:rPr lang="en-US" altLang="zh-CN" dirty="0"/>
+              <a:t>P2P</a:t>
+            </a:r>
+            <a:endParaRPr lang="zh-CN" altLang="en-US" dirty="0"/>
+          </a:p>
+        </p:txBody>
+      </p:sp>
+      <p:sp>
+        <p:nvSpPr>
+          <p:cNvPr id="8" name="文本框 7">
+            <a:extLst>
+              <a:ext uri="{FF2B5EF4-FFF2-40B4-BE49-F238E27FC236}">
+                <a16:creationId xmlns:a16="http://schemas.microsoft.com/office/drawing/2014/main" id="{000E4901-A405-4CF1-144B-21F612D60778}"/>
+              </a:ext>
+            </a:extLst>
+          </p:cNvPr>
+          <p:cNvSpPr txBox="1"/>
+          <p:nvPr/>
+        </p:nvSpPr>
+        <p:spPr>
+          <a:xfrm>
+            <a:off x="4874821" y="2983076"/>
+            <a:ext cx="1059906" cy="369332"/>
+          </a:xfrm>
+          <a:prstGeom prst="rect">
+            <a:avLst/>
+          </a:prstGeom>
+          <a:noFill/>
+        </p:spPr>
+        <p:txBody>
+          <a:bodyPr wrap="none" rtlCol="0">
+            <a:spAutoFit/>
+          </a:bodyPr>
+          <a:lstStyle/>
+          <a:p>
+            <a:r>
+              <a:rPr lang="en-US" altLang="zh-CN" dirty="0"/>
+              <a:t>MSGBUS</a:t>
+            </a:r>
+            <a:endParaRPr lang="zh-CN" altLang="en-US" dirty="0"/>
+          </a:p>
+        </p:txBody>
+      </p:sp>
+      <p:sp>
+        <p:nvSpPr>
+          <p:cNvPr id="9" name="文本框 8">
+            <a:extLst>
+              <a:ext uri="{FF2B5EF4-FFF2-40B4-BE49-F238E27FC236}">
+                <a16:creationId xmlns:a16="http://schemas.microsoft.com/office/drawing/2014/main" id="{4E6A362E-582F-C84B-9F85-558A3125EE17}"/>
+              </a:ext>
+            </a:extLst>
+          </p:cNvPr>
+          <p:cNvSpPr txBox="1"/>
+          <p:nvPr/>
+        </p:nvSpPr>
+        <p:spPr>
+          <a:xfrm>
+            <a:off x="5048991" y="3413559"/>
+            <a:ext cx="1595309" cy="369332"/>
+          </a:xfrm>
+          <a:prstGeom prst="rect">
+            <a:avLst/>
+          </a:prstGeom>
+          <a:noFill/>
+        </p:spPr>
+        <p:txBody>
+          <a:bodyPr wrap="none" rtlCol="0">
+            <a:spAutoFit/>
+          </a:bodyPr>
+          <a:lstStyle/>
+          <a:p>
+            <a:r>
+              <a:rPr lang="zh-CN" altLang="en-US" dirty="0"/>
+              <a:t>节点内部模块</a:t>
+            </a:r>
+          </a:p>
+        </p:txBody>
+      </p:sp>
+      <p:sp>
+        <p:nvSpPr>
+          <p:cNvPr id="10" name="文本框 9">
+            <a:extLst>
+              <a:ext uri="{FF2B5EF4-FFF2-40B4-BE49-F238E27FC236}">
+                <a16:creationId xmlns:a16="http://schemas.microsoft.com/office/drawing/2014/main" id="{0076DA5D-B787-9FB4-1255-513AC12C881D}"/>
+              </a:ext>
+            </a:extLst>
+          </p:cNvPr>
+          <p:cNvSpPr txBox="1"/>
+          <p:nvPr/>
+        </p:nvSpPr>
+        <p:spPr>
+          <a:xfrm>
+            <a:off x="4436239" y="3915501"/>
+            <a:ext cx="2031325" cy="369332"/>
+          </a:xfrm>
+          <a:prstGeom prst="rect">
+            <a:avLst/>
+          </a:prstGeom>
+          <a:noFill/>
+        </p:spPr>
+        <p:txBody>
+          <a:bodyPr wrap="none" rtlCol="0">
+            <a:spAutoFit/>
+          </a:bodyPr>
+          <a:lstStyle/>
+          <a:p>
+            <a:r>
+              <a:rPr lang="zh-CN" altLang="en-US" dirty="0"/>
+              <a:t>局域网（组织内）</a:t>
+            </a:r>
+          </a:p>
+        </p:txBody>
+      </p:sp>
+      <p:sp>
+        <p:nvSpPr>
+          <p:cNvPr id="12" name="文本框 11">
+            <a:extLst>
+              <a:ext uri="{FF2B5EF4-FFF2-40B4-BE49-F238E27FC236}">
+                <a16:creationId xmlns:a16="http://schemas.microsoft.com/office/drawing/2014/main" id="{4898F371-8507-D608-69F3-8FC58352B91F}"/>
+              </a:ext>
+            </a:extLst>
+          </p:cNvPr>
+          <p:cNvSpPr txBox="1"/>
+          <p:nvPr/>
+        </p:nvSpPr>
+        <p:spPr>
+          <a:xfrm>
+            <a:off x="3437906" y="4506686"/>
+            <a:ext cx="1338828" cy="369332"/>
+          </a:xfrm>
+          <a:prstGeom prst="rect">
+            <a:avLst/>
+          </a:prstGeom>
+          <a:noFill/>
+        </p:spPr>
+        <p:txBody>
+          <a:bodyPr wrap="none" rtlCol="0">
+            <a:spAutoFit/>
+          </a:bodyPr>
+          <a:lstStyle/>
+          <a:p>
+            <a:r>
+              <a:rPr lang="zh-CN" altLang="en-US" dirty="0"/>
+              <a:t>区块链网络</a:t>
+            </a:r>
+          </a:p>
+        </p:txBody>
+      </p:sp>
     </p:spTree>
     <p:extLst>
       <p:ext uri="{BB962C8B-B14F-4D97-AF65-F5344CB8AC3E}">
